--- a/ArchitecturalPrinciples.pptx
+++ b/ArchitecturalPrinciples.pptx
@@ -4120,8 +4120,8 @@
         </p:nvSpPr>
         <p:spPr>
           <a:xfrm>
-            <a:off x="2506498" y="3793335"/>
-            <a:ext cx="2388794" cy="369332"/>
+            <a:off x="1803495" y="3793335"/>
+            <a:ext cx="3794821" cy="276999"/>
           </a:xfrm>
           <a:prstGeom prst="rect">
             <a:avLst/>
@@ -4134,34 +4134,14 @@
           </a:bodyPr>
           <a:lstStyle/>
           <a:p>
-            <a:pPr algn="ctr">
-              <a:lnSpc>
-                <a:spcPct val="150000"/>
-              </a:lnSpc>
-            </a:pPr>
-            <a:r>
-              <a:rPr lang="ko-KR" altLang="en-US" sz="1200" b="1" smtClean="0">
+            <a:pPr algn="ctr"/>
+            <a:r>
+              <a:rPr lang="en-US" altLang="ko-KR" sz="1200" b="1" smtClean="0">
                 <a:solidFill>
                   <a:srgbClr val="00B050"/>
                 </a:solidFill>
               </a:rPr>
-              <a:t>구현은 </a:t>
-            </a:r>
-            <a:r>
-              <a:rPr lang="ko-KR" altLang="en-US" sz="1200" b="1" dirty="0" smtClean="0">
-                <a:solidFill>
-                  <a:srgbClr val="00B050"/>
-                </a:solidFill>
-              </a:rPr>
-              <a:t>추상화에 의존해야 한다</a:t>
-            </a:r>
-            <a:r>
-              <a:rPr lang="en-US" altLang="ko-KR" sz="1200" b="1" dirty="0" smtClean="0">
-                <a:solidFill>
-                  <a:srgbClr val="00B050"/>
-                </a:solidFill>
-              </a:rPr>
-              <a:t>.</a:t>
+              <a:t>Dependencies should be pointed to abstractions.</a:t>
             </a:r>
             <a:endParaRPr lang="ko-KR" altLang="en-US" sz="1200" b="1" dirty="0">
               <a:solidFill>
@@ -4376,6 +4356,136 @@
               </a:solidFill>
               <a:effectLst/>
               <a:latin typeface="Segoe UI" panose="020B0502040204020203" pitchFamily="34" charset="0"/>
+            </a:endParaRPr>
+          </a:p>
+        </p:txBody>
+      </p:sp>
+      <p:pic>
+        <p:nvPicPr>
+          <p:cNvPr id="1026" name="Picture 2" descr="The Clean Architecture의 다이어그램"/>
+          <p:cNvPicPr>
+            <a:picLocks noChangeAspect="1" noChangeArrowheads="1"/>
+          </p:cNvPicPr>
+          <p:nvPr/>
+        </p:nvPicPr>
+        <p:blipFill>
+          <a:blip r:embed="rId2" cstate="print">
+            <a:extLst>
+              <a:ext uri="{28A0092B-C50C-407E-A947-70E740481C1C}">
+                <a14:useLocalDpi xmlns:a14="http://schemas.microsoft.com/office/drawing/2010/main" val="0"/>
+              </a:ext>
+            </a:extLst>
+          </a:blip>
+          <a:srcRect/>
+          <a:stretch>
+            <a:fillRect/>
+          </a:stretch>
+        </p:blipFill>
+        <p:spPr bwMode="auto">
+          <a:xfrm>
+            <a:off x="806596" y="4102325"/>
+            <a:ext cx="2835252" cy="2082368"/>
+          </a:xfrm>
+          <a:prstGeom prst="rect">
+            <a:avLst/>
+          </a:prstGeom>
+          <a:noFill/>
+          <a:extLst>
+            <a:ext uri="{909E8E84-426E-40DD-AFC4-6F175D3DCCD1}">
+              <a14:hiddenFill xmlns:a14="http://schemas.microsoft.com/office/drawing/2010/main">
+                <a:solidFill>
+                  <a:srgbClr val="FFFFFF"/>
+                </a:solidFill>
+              </a14:hiddenFill>
+            </a:ext>
+          </a:extLst>
+        </p:spPr>
+      </p:pic>
+      <p:sp>
+        <p:nvSpPr>
+          <p:cNvPr id="2" name="오른쪽 화살표 1"/>
+          <p:cNvSpPr/>
+          <p:nvPr/>
+        </p:nvSpPr>
+        <p:spPr>
+          <a:xfrm>
+            <a:off x="350660" y="5022804"/>
+            <a:ext cx="1270057" cy="336251"/>
+          </a:xfrm>
+          <a:prstGeom prst="rightArrow">
+            <a:avLst>
+              <a:gd name="adj1" fmla="val 77492"/>
+              <a:gd name="adj2" fmla="val 50000"/>
+            </a:avLst>
+          </a:prstGeom>
+          <a:solidFill>
+            <a:srgbClr val="C00000"/>
+          </a:solidFill>
+          <a:ln>
+            <a:solidFill>
+              <a:srgbClr val="C00000"/>
+            </a:solidFill>
+          </a:ln>
+        </p:spPr>
+        <p:style>
+          <a:lnRef idx="2">
+            <a:schemeClr val="accent1">
+              <a:shade val="50000"/>
+            </a:schemeClr>
+          </a:lnRef>
+          <a:fillRef idx="1">
+            <a:schemeClr val="accent1"/>
+          </a:fillRef>
+          <a:effectRef idx="0">
+            <a:schemeClr val="accent1"/>
+          </a:effectRef>
+          <a:fontRef idx="minor">
+            <a:schemeClr val="lt1"/>
+          </a:fontRef>
+        </p:style>
+        <p:txBody>
+          <a:bodyPr rtlCol="0" anchor="ctr"/>
+          <a:lstStyle/>
+          <a:p>
+            <a:pPr algn="ctr"/>
+            <a:endParaRPr lang="ko-KR" altLang="en-US"/>
+          </a:p>
+        </p:txBody>
+      </p:sp>
+      <p:sp>
+        <p:nvSpPr>
+          <p:cNvPr id="3" name="TextBox 2"/>
+          <p:cNvSpPr txBox="1"/>
+          <p:nvPr/>
+        </p:nvSpPr>
+        <p:spPr>
+          <a:xfrm>
+            <a:off x="401978" y="5060124"/>
+            <a:ext cx="1015021" cy="261610"/>
+          </a:xfrm>
+          <a:prstGeom prst="rect">
+            <a:avLst/>
+          </a:prstGeom>
+          <a:noFill/>
+        </p:spPr>
+        <p:txBody>
+          <a:bodyPr wrap="none" rtlCol="0">
+            <a:spAutoFit/>
+          </a:bodyPr>
+          <a:lstStyle/>
+          <a:p>
+            <a:r>
+              <a:rPr lang="en-US" altLang="ko-KR" sz="1100" b="1" smtClean="0">
+                <a:solidFill>
+                  <a:schemeClr val="bg1"/>
+                </a:solidFill>
+              </a:rPr>
+              <a:t>Dependency</a:t>
+            </a:r>
+            <a:endParaRPr lang="ko-KR" altLang="en-US" sz="1100">
+              <a:solidFill>
+                <a:schemeClr val="bg1"/>
+              </a:solidFill>
             </a:endParaRPr>
           </a:p>
         </p:txBody>

--- a/ArchitecturalPrinciples.pptx
+++ b/ArchitecturalPrinciples.pptx
@@ -243,7 +243,7 @@
           <a:p>
             <a:fld id="{084043DF-4B20-4D60-82A2-002DE83041A9}" type="datetimeFigureOut">
               <a:rPr lang="ko-KR" altLang="en-US" smtClean="0"/>
-              <a:t>2021-02-15</a:t>
+              <a:t>2021-02-26</a:t>
             </a:fld>
             <a:endParaRPr lang="ko-KR" altLang="en-US" dirty="0"/>
           </a:p>
@@ -413,7 +413,7 @@
           <a:p>
             <a:fld id="{084043DF-4B20-4D60-82A2-002DE83041A9}" type="datetimeFigureOut">
               <a:rPr lang="ko-KR" altLang="en-US" smtClean="0"/>
-              <a:t>2021-02-15</a:t>
+              <a:t>2021-02-26</a:t>
             </a:fld>
             <a:endParaRPr lang="ko-KR" altLang="en-US" dirty="0"/>
           </a:p>
@@ -593,7 +593,7 @@
           <a:p>
             <a:fld id="{084043DF-4B20-4D60-82A2-002DE83041A9}" type="datetimeFigureOut">
               <a:rPr lang="ko-KR" altLang="en-US" smtClean="0"/>
-              <a:t>2021-02-15</a:t>
+              <a:t>2021-02-26</a:t>
             </a:fld>
             <a:endParaRPr lang="ko-KR" altLang="en-US" dirty="0"/>
           </a:p>
@@ -763,7 +763,7 @@
           <a:p>
             <a:fld id="{084043DF-4B20-4D60-82A2-002DE83041A9}" type="datetimeFigureOut">
               <a:rPr lang="ko-KR" altLang="en-US" smtClean="0"/>
-              <a:t>2021-02-15</a:t>
+              <a:t>2021-02-26</a:t>
             </a:fld>
             <a:endParaRPr lang="ko-KR" altLang="en-US" dirty="0"/>
           </a:p>
@@ -1009,7 +1009,7 @@
           <a:p>
             <a:fld id="{084043DF-4B20-4D60-82A2-002DE83041A9}" type="datetimeFigureOut">
               <a:rPr lang="ko-KR" altLang="en-US" smtClean="0"/>
-              <a:t>2021-02-15</a:t>
+              <a:t>2021-02-26</a:t>
             </a:fld>
             <a:endParaRPr lang="ko-KR" altLang="en-US" dirty="0"/>
           </a:p>
@@ -1241,7 +1241,7 @@
           <a:p>
             <a:fld id="{084043DF-4B20-4D60-82A2-002DE83041A9}" type="datetimeFigureOut">
               <a:rPr lang="ko-KR" altLang="en-US" smtClean="0"/>
-              <a:t>2021-02-15</a:t>
+              <a:t>2021-02-26</a:t>
             </a:fld>
             <a:endParaRPr lang="ko-KR" altLang="en-US" dirty="0"/>
           </a:p>
@@ -1608,7 +1608,7 @@
           <a:p>
             <a:fld id="{084043DF-4B20-4D60-82A2-002DE83041A9}" type="datetimeFigureOut">
               <a:rPr lang="ko-KR" altLang="en-US" smtClean="0"/>
-              <a:t>2021-02-15</a:t>
+              <a:t>2021-02-26</a:t>
             </a:fld>
             <a:endParaRPr lang="ko-KR" altLang="en-US" dirty="0"/>
           </a:p>
@@ -1726,7 +1726,7 @@
           <a:p>
             <a:fld id="{084043DF-4B20-4D60-82A2-002DE83041A9}" type="datetimeFigureOut">
               <a:rPr lang="ko-KR" altLang="en-US" smtClean="0"/>
-              <a:t>2021-02-15</a:t>
+              <a:t>2021-02-26</a:t>
             </a:fld>
             <a:endParaRPr lang="ko-KR" altLang="en-US" dirty="0"/>
           </a:p>
@@ -1821,7 +1821,7 @@
           <a:p>
             <a:fld id="{084043DF-4B20-4D60-82A2-002DE83041A9}" type="datetimeFigureOut">
               <a:rPr lang="ko-KR" altLang="en-US" smtClean="0"/>
-              <a:t>2021-02-15</a:t>
+              <a:t>2021-02-26</a:t>
             </a:fld>
             <a:endParaRPr lang="ko-KR" altLang="en-US" dirty="0"/>
           </a:p>
@@ -2098,7 +2098,7 @@
           <a:p>
             <a:fld id="{084043DF-4B20-4D60-82A2-002DE83041A9}" type="datetimeFigureOut">
               <a:rPr lang="ko-KR" altLang="en-US" smtClean="0"/>
-              <a:t>2021-02-15</a:t>
+              <a:t>2021-02-26</a:t>
             </a:fld>
             <a:endParaRPr lang="ko-KR" altLang="en-US" dirty="0"/>
           </a:p>
@@ -2351,7 +2351,7 @@
           <a:p>
             <a:fld id="{084043DF-4B20-4D60-82A2-002DE83041A9}" type="datetimeFigureOut">
               <a:rPr lang="ko-KR" altLang="en-US" smtClean="0"/>
-              <a:t>2021-02-15</a:t>
+              <a:t>2021-02-26</a:t>
             </a:fld>
             <a:endParaRPr lang="ko-KR" altLang="en-US" dirty="0"/>
           </a:p>
@@ -2564,7 +2564,7 @@
           <a:p>
             <a:fld id="{084043DF-4B20-4D60-82A2-002DE83041A9}" type="datetimeFigureOut">
               <a:rPr lang="ko-KR" altLang="en-US" smtClean="0"/>
-              <a:t>2021-02-15</a:t>
+              <a:t>2021-02-26</a:t>
             </a:fld>
             <a:endParaRPr lang="ko-KR" altLang="en-US" dirty="0"/>
           </a:p>
@@ -3380,8 +3380,8 @@
         </p:nvSpPr>
         <p:spPr>
           <a:xfrm>
-            <a:off x="8562003" y="4026631"/>
-            <a:ext cx="1911805" cy="307777"/>
+            <a:off x="6881434" y="5651759"/>
+            <a:ext cx="2152128" cy="338554"/>
           </a:xfrm>
           <a:prstGeom prst="rect">
             <a:avLst/>
@@ -3393,18 +3393,19 @@
           </a:bodyPr>
           <a:lstStyle/>
           <a:p>
-            <a:r>
-              <a:rPr lang="en-US" altLang="ko-KR" sz="1400" b="1" dirty="0" smtClean="0">
+            <a:pPr algn="ctr"/>
+            <a:r>
+              <a:rPr lang="en-US" altLang="ko-KR" sz="1600" b="1" dirty="0" smtClean="0">
                 <a:solidFill>
-                  <a:srgbClr val="0070C0"/>
+                  <a:srgbClr val="C00000"/>
                 </a:solidFill>
                 <a:latin typeface="+mn-ea"/>
               </a:rPr>
               <a:t>Single responsibility</a:t>
             </a:r>
-            <a:endParaRPr lang="ko-KR" altLang="en-US" sz="1400" b="1" dirty="0">
+            <a:endParaRPr lang="ko-KR" altLang="en-US" sz="1600" b="1" dirty="0">
               <a:solidFill>
-                <a:srgbClr val="0070C0"/>
+                <a:srgbClr val="C00000"/>
               </a:solidFill>
               <a:latin typeface="+mn-ea"/>
             </a:endParaRPr>
@@ -4290,7 +4291,7 @@
         </p:nvSpPr>
         <p:spPr>
           <a:xfrm>
-            <a:off x="7231979" y="5627768"/>
+            <a:off x="8791919" y="3731253"/>
             <a:ext cx="1451038" cy="369332"/>
           </a:xfrm>
           <a:prstGeom prst="rect">
@@ -4306,14 +4307,14 @@
             <a:r>
               <a:rPr lang="en-US" altLang="ko-KR" b="1" dirty="0" smtClean="0">
                 <a:solidFill>
-                  <a:srgbClr val="C00000"/>
+                  <a:srgbClr val="0070C0"/>
                 </a:solidFill>
               </a:rPr>
               <a:t>Abstraction</a:t>
             </a:r>
             <a:endParaRPr lang="ko-KR" altLang="en-US" b="1" dirty="0">
               <a:solidFill>
-                <a:srgbClr val="C00000"/>
+                <a:srgbClr val="0070C0"/>
               </a:solidFill>
             </a:endParaRPr>
           </a:p>
